--- a/SpringOne-v2b3.pptx
+++ b/SpringOne-v2b3.pptx
@@ -109,6 +109,11 @@
       </a:defRPr>
     </a:lvl9pPr>
   </p:defaultTextStyle>
+  <p:extLst>
+    <p:ext uri="{EFAFB233-063F-42B5-8137-9DF3F51BA10A}">
+      <p15:sldGuideLst xmlns:p15="http://schemas.microsoft.com/office/powerpoint/2012/main"/>
+    </p:ext>
+  </p:extLst>
 </p:presentation>
 </file>
 
@@ -4829,326 +4834,422 @@
           <a:lstStyle/>
           <a:p>
             <a:r>
-              <a:rPr lang="en-US" sz="900" dirty="0"/>
-              <a:t>name: Build and Deploy updated Java app with Contrast to Azure Spring Cloud </a:t>
+              <a:rPr lang="en-US" sz="800" dirty="0"/>
+              <a:t>name: Build and Deploy Java app to Azure Spring Cloud</a:t>
+            </a:r>
+          </a:p>
+          <a:p>
+            <a:endParaRPr lang="en-US" sz="800" dirty="0"/>
+          </a:p>
+          <a:p>
+            <a:r>
+              <a:rPr lang="en-US" sz="800" dirty="0"/>
+              <a:t>on:</a:t>
+            </a:r>
+          </a:p>
+          <a:p>
+            <a:r>
+              <a:rPr lang="en-US" sz="800" dirty="0"/>
+              <a:t>  push:</a:t>
+            </a:r>
+          </a:p>
+          <a:p>
+            <a:r>
+              <a:rPr lang="en-US" sz="800" dirty="0"/>
+              <a:t>    branches:</a:t>
+            </a:r>
+          </a:p>
+          <a:p>
+            <a:r>
+              <a:rPr lang="en-US" sz="800" dirty="0"/>
+              <a:t>      - new-app</a:t>
+            </a:r>
+          </a:p>
+          <a:p>
+            <a:endParaRPr lang="en-US" sz="800" dirty="0"/>
+          </a:p>
+          <a:p>
+            <a:r>
+              <a:rPr lang="en-US" sz="800" dirty="0"/>
+              <a:t># CONFIGURATION</a:t>
+            </a:r>
+          </a:p>
+          <a:p>
+            <a:r>
+              <a:rPr lang="en-US" sz="800" dirty="0"/>
+              <a:t># For help, go to https://</a:t>
+            </a:r>
+            <a:r>
+              <a:rPr lang="en-US" sz="800" dirty="0" err="1"/>
+              <a:t>github.com</a:t>
+            </a:r>
+            <a:r>
+              <a:rPr lang="en-US" sz="800" dirty="0"/>
+              <a:t>/Azure/Actions</a:t>
+            </a:r>
+          </a:p>
+          <a:p>
+            <a:endParaRPr lang="en-US" sz="800" dirty="0"/>
+          </a:p>
+          <a:p>
+            <a:r>
+              <a:rPr lang="en-US" sz="800" dirty="0"/>
+              <a:t># 1. Set up the following secrets in your repository:</a:t>
+            </a:r>
+          </a:p>
+          <a:p>
+            <a:r>
+              <a:rPr lang="en-US" sz="800" dirty="0"/>
+              <a:t>#   AZURE_CREDS_FILE</a:t>
+            </a:r>
+          </a:p>
+          <a:p>
+            <a:r>
+              <a:rPr lang="en-US" sz="800" dirty="0"/>
+              <a:t>#   CONTRAST_CREDS_FILE</a:t>
+            </a:r>
+          </a:p>
+          <a:p>
+            <a:r>
+              <a:rPr lang="en-US" sz="800" dirty="0"/>
+              <a:t>#   DEV_TOKEN</a:t>
+            </a:r>
+          </a:p>
+          <a:p>
+            <a:endParaRPr lang="en-US" sz="800" dirty="0"/>
+          </a:p>
+          <a:p>
+            <a:r>
+              <a:rPr lang="en-US" sz="800" dirty="0"/>
+              <a:t># 2. Change these variables for your configuration:</a:t>
+            </a:r>
+          </a:p>
+          <a:p>
+            <a:r>
+              <a:rPr lang="en-US" sz="800" dirty="0"/>
+              <a:t>env:</a:t>
+            </a:r>
+          </a:p>
+          <a:p>
+            <a:r>
+              <a:rPr lang="en-US" sz="800" dirty="0"/>
+              <a:t>  JAVA_VERSION: '1.8' # set this to the java version to use</a:t>
+            </a:r>
+          </a:p>
+          <a:p>
+            <a:r>
+              <a:rPr lang="en-US" sz="800" dirty="0"/>
+              <a:t>  APPLICATION_NAME: '</a:t>
+            </a:r>
+            <a:r>
+              <a:rPr lang="en-US" sz="800" dirty="0" err="1"/>
+              <a:t>springone</a:t>
+            </a:r>
+            <a:r>
+              <a:rPr lang="en-US" sz="800" dirty="0"/>
+              <a:t>-</a:t>
+            </a:r>
+            <a:r>
+              <a:rPr lang="en-US" sz="800" dirty="0" err="1"/>
+              <a:t>petclinic</a:t>
+            </a:r>
+            <a:r>
+              <a:rPr lang="en-US" sz="800" dirty="0"/>
+              <a:t>-mark-testing'</a:t>
+            </a:r>
+          </a:p>
+          <a:p>
+            <a:r>
+              <a:rPr lang="en-US" sz="800" dirty="0"/>
+              <a:t>  SPRING_CLOUD_SERV_NAME: 'mark-spring-cloud-test'</a:t>
+            </a:r>
+          </a:p>
+          <a:p>
+            <a:r>
+              <a:rPr lang="en-US" sz="800" dirty="0"/>
+              <a:t>  DEV_BRANCH: 'new-app-w-</a:t>
+            </a:r>
+            <a:r>
+              <a:rPr lang="en-US" sz="800" dirty="0" err="1"/>
+              <a:t>github</a:t>
+            </a:r>
+            <a:r>
+              <a:rPr lang="en-US" sz="800" dirty="0"/>
+              <a:t>-action'</a:t>
+            </a:r>
+          </a:p>
+          <a:p>
+            <a:r>
+              <a:rPr lang="en-US" sz="800" dirty="0"/>
+              <a:t>  ARTIFACT_LOCATION: '/target/*.jar'</a:t>
+            </a:r>
+          </a:p>
+          <a:p>
+            <a:endParaRPr lang="en-US" sz="800" dirty="0"/>
+          </a:p>
+          <a:p>
+            <a:r>
+              <a:rPr lang="en-US" sz="800" dirty="0"/>
+              <a:t>jobs:</a:t>
+            </a:r>
+          </a:p>
+          <a:p>
+            <a:r>
+              <a:rPr lang="en-US" sz="800" dirty="0"/>
+              <a:t>  build-and-deploy:</a:t>
+            </a:r>
+          </a:p>
+          <a:p>
+            <a:r>
+              <a:rPr lang="en-US" sz="800" dirty="0"/>
+              <a:t>    name: Build and Deploy</a:t>
+            </a:r>
+          </a:p>
+          <a:p>
+            <a:r>
+              <a:rPr lang="en-US" sz="800" dirty="0"/>
+              <a:t>    runs-on: ubuntu-latest</a:t>
+            </a:r>
+          </a:p>
+          <a:p>
+            <a:r>
+              <a:rPr lang="en-US" sz="800" dirty="0"/>
+              <a:t>    steps:</a:t>
+            </a:r>
+          </a:p>
+          <a:p>
+            <a:r>
+              <a:rPr lang="en-US" sz="800" dirty="0"/>
+              <a:t>    - name: Checkout</a:t>
+            </a:r>
+          </a:p>
+          <a:p>
+            <a:r>
+              <a:rPr lang="en-US" sz="800" dirty="0"/>
+              <a:t>      uses: actions/checkout@v2 #master</a:t>
+            </a:r>
+          </a:p>
+          <a:p>
+            <a:r>
+              <a:rPr lang="en-US" sz="800" dirty="0"/>
+              <a:t>    - name: Set up JDK 1.8</a:t>
+            </a:r>
+          </a:p>
+          <a:p>
+            <a:r>
+              <a:rPr lang="en-US" sz="800" dirty="0"/>
+              <a:t>      uses: actions/setup-java@v1</a:t>
+            </a:r>
+          </a:p>
+          <a:p>
+            <a:r>
+              <a:rPr lang="en-US" sz="800" dirty="0"/>
+              <a:t>      with:</a:t>
+            </a:r>
+          </a:p>
+          <a:p>
+            <a:r>
+              <a:rPr lang="en-US" sz="800" dirty="0"/>
+              <a:t>        java-version: ${{ </a:t>
+            </a:r>
+            <a:r>
+              <a:rPr lang="en-US" sz="800" dirty="0" err="1"/>
+              <a:t>env.JAVA_VERSION</a:t>
+            </a:r>
+            <a:r>
+              <a:rPr lang="en-US" sz="800" dirty="0"/>
+              <a:t> }}</a:t>
+            </a:r>
+          </a:p>
+          <a:p>
+            <a:r>
+              <a:rPr lang="en-US" sz="800" dirty="0"/>
+              <a:t>    - name: Build with Maven</a:t>
+            </a:r>
+          </a:p>
+          <a:p>
+            <a:r>
+              <a:rPr lang="en-US" sz="800" dirty="0"/>
+              <a:t>      run: </a:t>
+            </a:r>
+            <a:r>
+              <a:rPr lang="en-US" sz="800" dirty="0" err="1"/>
+              <a:t>mvn</a:t>
+            </a:r>
+            <a:r>
+              <a:rPr lang="en-US" sz="800" dirty="0"/>
+              <a:t> clean package -</a:t>
+            </a:r>
+            <a:r>
+              <a:rPr lang="en-US" sz="800" dirty="0" err="1"/>
+              <a:t>DskipTests</a:t>
+            </a:r>
+            <a:r>
+              <a:rPr lang="en-US" sz="800" dirty="0"/>
+              <a:t> -</a:t>
+            </a:r>
+            <a:r>
+              <a:rPr lang="en-US" sz="800" dirty="0" err="1"/>
+              <a:t>Denv</a:t>
+            </a:r>
+            <a:r>
+              <a:rPr lang="en-US" sz="800" dirty="0"/>
+              <a:t>=cloud</a:t>
+            </a:r>
+          </a:p>
+          <a:p>
+            <a:r>
+              <a:rPr lang="en-US" sz="800" dirty="0"/>
+              <a:t>    - name: Contrast Security Azure Spring Cloud Deployment</a:t>
+            </a:r>
+          </a:p>
+          <a:p>
+            <a:r>
+              <a:rPr lang="en-US" sz="800" dirty="0"/>
+              <a:t>      uses: </a:t>
+            </a:r>
+            <a:r>
+              <a:rPr lang="en-US" sz="800" dirty="0" err="1"/>
+              <a:t>admiralappsec</a:t>
+            </a:r>
+            <a:r>
+              <a:rPr lang="en-US" sz="800" dirty="0"/>
+              <a:t>/</a:t>
+            </a:r>
+            <a:r>
+              <a:rPr lang="en-US" sz="800" dirty="0" err="1"/>
+              <a:t>springone-github-action@main</a:t>
+            </a:r>
+            <a:endParaRPr lang="en-US" sz="800" dirty="0"/>
+          </a:p>
+          <a:p>
+            <a:r>
+              <a:rPr lang="en-US" sz="800" dirty="0"/>
+              <a:t>      id: contrast-deployment</a:t>
+            </a:r>
+          </a:p>
+          <a:p>
+            <a:r>
+              <a:rPr lang="en-US" sz="800" dirty="0"/>
+              <a:t>      with:</a:t>
+            </a:r>
+          </a:p>
+          <a:p>
+            <a:r>
+              <a:rPr lang="en-US" sz="800" dirty="0"/>
+              <a:t>        application-name: ${{ </a:t>
+            </a:r>
+            <a:r>
+              <a:rPr lang="en-US" sz="800" dirty="0" err="1"/>
+              <a:t>env.APPLICATION_NAME</a:t>
+            </a:r>
+            <a:r>
+              <a:rPr lang="en-US" sz="800" dirty="0"/>
+              <a:t> }}</a:t>
+            </a:r>
+          </a:p>
+          <a:p>
+            <a:r>
+              <a:rPr lang="en-US" sz="800" dirty="0"/>
+              <a:t>        spring-cloud-service-name: ${{ </a:t>
+            </a:r>
+            <a:r>
+              <a:rPr lang="en-US" sz="800" dirty="0" err="1"/>
+              <a:t>env.SPRING_CLOUD_SERV_NAME</a:t>
+            </a:r>
+            <a:r>
+              <a:rPr lang="en-US" sz="800" dirty="0"/>
+              <a:t> }}</a:t>
+            </a:r>
+          </a:p>
+          <a:p>
+            <a:r>
+              <a:rPr lang="en-US" sz="800" dirty="0"/>
+              <a:t>        application-artifact-location: ${{ </a:t>
+            </a:r>
+            <a:r>
+              <a:rPr lang="en-US" sz="800" dirty="0" err="1"/>
+              <a:t>env.ARTIFACT_LOCATION</a:t>
+            </a:r>
+            <a:r>
+              <a:rPr lang="en-US" sz="800" dirty="0"/>
+              <a:t> }}</a:t>
+            </a:r>
+          </a:p>
+          <a:p>
+            <a:r>
+              <a:rPr lang="en-US" sz="800" dirty="0"/>
+              <a:t>        contrast-security-credentials-file: ${{ </a:t>
+            </a:r>
+            <a:r>
+              <a:rPr lang="en-US" sz="800" dirty="0" err="1"/>
+              <a:t>secrets.CONTRAST_CREDS_FILE</a:t>
+            </a:r>
+            <a:r>
+              <a:rPr lang="en-US" sz="800" dirty="0"/>
+              <a:t> }}</a:t>
+            </a:r>
+          </a:p>
+          <a:p>
+            <a:r>
+              <a:rPr lang="en-US" sz="800" dirty="0"/>
+              <a:t>        azure-credentials-file: ${{ </a:t>
+            </a:r>
+            <a:r>
+              <a:rPr lang="en-US" sz="800" dirty="0" err="1"/>
+              <a:t>secrets.AZURE_CREDS_FILE</a:t>
+            </a:r>
+            <a:r>
+              <a:rPr lang="en-US" sz="800" dirty="0"/>
+              <a:t> }}</a:t>
+            </a:r>
+          </a:p>
+          <a:p>
+            <a:r>
+              <a:rPr lang="en-US" sz="800" dirty="0"/>
+              <a:t>        </a:t>
+            </a:r>
+            <a:r>
+              <a:rPr lang="en-US" sz="800" dirty="0" err="1"/>
+              <a:t>github</a:t>
+            </a:r>
+            <a:r>
+              <a:rPr lang="en-US" sz="800" dirty="0"/>
+              <a:t>-developer-token: ${{ </a:t>
+            </a:r>
+            <a:r>
+              <a:rPr lang="en-US" sz="800" dirty="0" err="1"/>
+              <a:t>secrets.DEV_TOKEN</a:t>
+            </a:r>
+            <a:r>
+              <a:rPr lang="en-US" sz="800" dirty="0"/>
+              <a:t> }}</a:t>
+            </a:r>
+          </a:p>
+          <a:p>
+            <a:r>
+              <a:rPr lang="en-US" sz="800" dirty="0"/>
+              <a:t>        </a:t>
+            </a:r>
+            <a:r>
+              <a:rPr lang="en-US" sz="800" dirty="0" err="1"/>
+              <a:t>github</a:t>
+            </a:r>
+            <a:r>
+              <a:rPr lang="en-US" sz="800" dirty="0"/>
+              <a:t>-developer-branch: ${{ </a:t>
+            </a:r>
+            <a:r>
+              <a:rPr lang="en-US" sz="800" dirty="0" err="1"/>
+              <a:t>env.DEV_BRANCH</a:t>
+            </a:r>
+            <a:r>
+              <a:rPr lang="en-US" sz="800" dirty="0"/>
+              <a:t> }}</a:t>
             </a:r>
           </a:p>
           <a:p>
             <a:endParaRPr lang="en-US" sz="900" dirty="0"/>
-          </a:p>
-          <a:p>
-            <a:r>
-              <a:rPr lang="en-US" sz="900" dirty="0"/>
-              <a:t>on:</a:t>
-            </a:r>
-          </a:p>
-          <a:p>
-            <a:r>
-              <a:rPr lang="en-US" sz="900" dirty="0"/>
-              <a:t>  push:</a:t>
-            </a:r>
-          </a:p>
-          <a:p>
-            <a:r>
-              <a:rPr lang="en-US" sz="900" dirty="0"/>
-              <a:t>    branches:</a:t>
-            </a:r>
-          </a:p>
-          <a:p>
-            <a:r>
-              <a:rPr lang="en-US" sz="900" dirty="0"/>
-              <a:t>      - new-app</a:t>
-            </a:r>
-          </a:p>
-          <a:p>
-            <a:endParaRPr lang="en-US" sz="900" dirty="0"/>
-          </a:p>
-          <a:p>
-            <a:r>
-              <a:rPr lang="en-US" sz="900" dirty="0"/>
-              <a:t># CONFIGURATION</a:t>
-            </a:r>
-          </a:p>
-          <a:p>
-            <a:r>
-              <a:rPr lang="en-US" sz="900" dirty="0"/>
-              <a:t># For help, go to https://</a:t>
-            </a:r>
-            <a:r>
-              <a:rPr lang="en-US" sz="900" dirty="0" err="1"/>
-              <a:t>github.com</a:t>
-            </a:r>
-            <a:r>
-              <a:rPr lang="en-US" sz="900" dirty="0"/>
-              <a:t>/Azure/Actions</a:t>
-            </a:r>
-          </a:p>
-          <a:p>
-            <a:r>
-              <a:rPr lang="en-US" sz="900" dirty="0"/>
-              <a:t>#</a:t>
-            </a:r>
-          </a:p>
-          <a:p>
-            <a:r>
-              <a:rPr lang="en-US" sz="900" dirty="0"/>
-              <a:t># 1. Set up the following secrets in your repository:</a:t>
-            </a:r>
-          </a:p>
-          <a:p>
-            <a:r>
-              <a:rPr lang="en-US" sz="900" dirty="0"/>
-              <a:t>#   AZURE_CREDS_FILE</a:t>
-            </a:r>
-          </a:p>
-          <a:p>
-            <a:r>
-              <a:rPr lang="en-US" sz="900" dirty="0"/>
-              <a:t>#   CONTRAST_CREDS_FILE</a:t>
-            </a:r>
-          </a:p>
-          <a:p>
-            <a:r>
-              <a:rPr lang="en-US" sz="900" dirty="0"/>
-              <a:t>#   DEV_TOKEN</a:t>
-            </a:r>
-          </a:p>
-          <a:p>
-            <a:r>
-              <a:rPr lang="en-US" sz="900" dirty="0"/>
-              <a:t>#</a:t>
-            </a:r>
-          </a:p>
-          <a:p>
-            <a:r>
-              <a:rPr lang="en-US" sz="900" dirty="0"/>
-              <a:t># 2. Change the env variables for your configuration (below)</a:t>
-            </a:r>
-          </a:p>
-          <a:p>
-            <a:endParaRPr lang="en-US" sz="900" dirty="0"/>
-          </a:p>
-          <a:p>
-            <a:r>
-              <a:rPr lang="en-US" sz="900" dirty="0"/>
-              <a:t>env:</a:t>
-            </a:r>
-          </a:p>
-          <a:p>
-            <a:r>
-              <a:rPr lang="en-US" sz="900" dirty="0"/>
-              <a:t>  AZURE_APP_NAME: &lt;YOUR APP NAME&gt;  # set this to your application's name</a:t>
-            </a:r>
-          </a:p>
-          <a:p>
-            <a:r>
-              <a:rPr lang="en-US" sz="900" dirty="0"/>
-              <a:t>  JAVA_VERSION: '1.8'              # set this to the node version to use</a:t>
-            </a:r>
-          </a:p>
-          <a:p>
-            <a:endParaRPr lang="en-US" sz="900" dirty="0"/>
-          </a:p>
-          <a:p>
-            <a:r>
-              <a:rPr lang="en-US" sz="900" dirty="0"/>
-              <a:t>jobs:</a:t>
-            </a:r>
-          </a:p>
-          <a:p>
-            <a:r>
-              <a:rPr lang="en-US" sz="900" dirty="0"/>
-              <a:t>  build-and-deploy:</a:t>
-            </a:r>
-          </a:p>
-          <a:p>
-            <a:r>
-              <a:rPr lang="en-US" sz="900" dirty="0"/>
-              <a:t>    name: Build and Deploy</a:t>
-            </a:r>
-          </a:p>
-          <a:p>
-            <a:r>
-              <a:rPr lang="en-US" sz="900" dirty="0"/>
-              <a:t>    runs-on: ubuntu-latest</a:t>
-            </a:r>
-          </a:p>
-          <a:p>
-            <a:r>
-              <a:rPr lang="en-US" sz="900" dirty="0"/>
-              <a:t>    steps:</a:t>
-            </a:r>
-          </a:p>
-          <a:p>
-            <a:r>
-              <a:rPr lang="en-US" sz="900" dirty="0"/>
-              <a:t>    - uses: actions/</a:t>
-            </a:r>
-            <a:r>
-              <a:rPr lang="en-US" sz="900" dirty="0" err="1"/>
-              <a:t>checkout@master</a:t>
-            </a:r>
-            <a:endParaRPr lang="en-US" sz="900" dirty="0"/>
-          </a:p>
-          <a:p>
-            <a:r>
-              <a:rPr lang="en-US" sz="900" dirty="0"/>
-              <a:t>    - name: Set up JDK 1.8</a:t>
-            </a:r>
-          </a:p>
-          <a:p>
-            <a:r>
-              <a:rPr lang="en-US" sz="900" dirty="0"/>
-              <a:t>      uses: actions/setup-java@v1</a:t>
-            </a:r>
-          </a:p>
-          <a:p>
-            <a:r>
-              <a:rPr lang="en-US" sz="900" dirty="0"/>
-              <a:t>      with:</a:t>
-            </a:r>
-          </a:p>
-          <a:p>
-            <a:r>
-              <a:rPr lang="en-US" sz="900" dirty="0"/>
-              <a:t>        java-version: ${{ </a:t>
-            </a:r>
-            <a:r>
-              <a:rPr lang="en-US" sz="900" dirty="0" err="1"/>
-              <a:t>env.JAVA_VERSION</a:t>
-            </a:r>
-            <a:r>
-              <a:rPr lang="en-US" sz="900" dirty="0"/>
-              <a:t> }}</a:t>
-            </a:r>
-          </a:p>
-          <a:p>
-            <a:r>
-              <a:rPr lang="en-US" sz="900" dirty="0"/>
-              <a:t>    - name: Build with Maven</a:t>
-            </a:r>
-          </a:p>
-          <a:p>
-            <a:r>
-              <a:rPr lang="en-US" sz="900" dirty="0"/>
-              <a:t>      run: </a:t>
-            </a:r>
-            <a:r>
-              <a:rPr lang="en-US" sz="900" dirty="0" err="1"/>
-              <a:t>mvnw</a:t>
-            </a:r>
-            <a:r>
-              <a:rPr lang="en-US" sz="900" dirty="0"/>
-              <a:t> clean package -</a:t>
-            </a:r>
-            <a:r>
-              <a:rPr lang="en-US" sz="900" dirty="0" err="1"/>
-              <a:t>DskipTests</a:t>
-            </a:r>
-            <a:r>
-              <a:rPr lang="en-US" sz="900" dirty="0"/>
-              <a:t> -</a:t>
-            </a:r>
-            <a:r>
-              <a:rPr lang="en-US" sz="900" dirty="0" err="1"/>
-              <a:t>Denv</a:t>
-            </a:r>
-            <a:r>
-              <a:rPr lang="en-US" sz="900" dirty="0"/>
-              <a:t>=cloud</a:t>
-            </a:r>
-          </a:p>
-          <a:p>
-            <a:r>
-              <a:rPr lang="en-US" sz="900" dirty="0"/>
-              <a:t>    - name: Contrast Security Azure Spring Cloud Deployment</a:t>
-            </a:r>
-          </a:p>
-          <a:p>
-            <a:r>
-              <a:rPr lang="en-US" sz="900" dirty="0"/>
-              <a:t>        uses: ./ # Uses an action in the root directory -- change this!</a:t>
-            </a:r>
-          </a:p>
-          <a:p>
-            <a:r>
-              <a:rPr lang="en-US" sz="900" dirty="0"/>
-              <a:t>        id: contrast-deployment</a:t>
-            </a:r>
-          </a:p>
-          <a:p>
-            <a:r>
-              <a:rPr lang="en-US" sz="900" dirty="0"/>
-              <a:t>        with:</a:t>
-            </a:r>
-          </a:p>
-          <a:p>
-            <a:r>
-              <a:rPr lang="en-US" sz="900" dirty="0"/>
-              <a:t>          </a:t>
-            </a:r>
-            <a:r>
-              <a:rPr lang="en-US" sz="900" dirty="0" err="1"/>
-              <a:t>github</a:t>
-            </a:r>
-            <a:r>
-              <a:rPr lang="en-US" sz="900" dirty="0"/>
-              <a:t>-developer-token: ${{ inputs. DEV_TOKEN }}</a:t>
-            </a:r>
-          </a:p>
-          <a:p>
-            <a:r>
-              <a:rPr lang="en-US" sz="900" dirty="0"/>
-              <a:t>          application-name: ${{ env. AZURE_APP_NAME }}</a:t>
-            </a:r>
-          </a:p>
-          <a:p>
-            <a:r>
-              <a:rPr lang="en-US" sz="900" dirty="0"/>
-              <a:t>          spring-cloud-service-name: 'mark-spring-cloud-test'</a:t>
-            </a:r>
-          </a:p>
-          <a:p>
-            <a:r>
-              <a:rPr lang="en-US" sz="900" dirty="0"/>
-              <a:t>          application-artifact-location: '${{ </a:t>
-            </a:r>
-            <a:r>
-              <a:rPr lang="en-US" sz="900" dirty="0" err="1"/>
-              <a:t>github.workspace</a:t>
-            </a:r>
-            <a:r>
-              <a:rPr lang="en-US" sz="900" dirty="0"/>
-              <a:t> }}/target/*.jar'</a:t>
-            </a:r>
-          </a:p>
-          <a:p>
-            <a:r>
-              <a:rPr lang="en-US" sz="900" dirty="0"/>
-              <a:t>          contrast-security-credentials-file: ${{ </a:t>
-            </a:r>
-            <a:r>
-              <a:rPr lang="en-US" sz="900" dirty="0" err="1"/>
-              <a:t>inputs.CONTRAST_CREDS_FILE</a:t>
-            </a:r>
-            <a:r>
-              <a:rPr lang="en-US" sz="900" dirty="0"/>
-              <a:t> }}</a:t>
-            </a:r>
-          </a:p>
-          <a:p>
-            <a:r>
-              <a:rPr lang="en-US" sz="900" dirty="0"/>
-              <a:t>          azure-credentials-file: ${{ </a:t>
-            </a:r>
-            <a:r>
-              <a:rPr lang="en-US" sz="900" dirty="0" err="1"/>
-              <a:t>inputs.AZURE_CREDS_FILE</a:t>
-            </a:r>
-            <a:r>
-              <a:rPr lang="en-US" sz="900" dirty="0"/>
-              <a:t> }}</a:t>
-            </a:r>
           </a:p>
         </p:txBody>
       </p:sp>
